--- a/SatelliteTrackingSystem.pptx
+++ b/SatelliteTrackingSystem.pptx
@@ -3576,7 +3576,7 @@
         </p:spPr>
         <p:txBody>
           <a:bodyPr>
-            <a:normAutofit/>
+            <a:normAutofit fontScale="90000"/>
           </a:bodyPr>
           <a:lstStyle/>
           <a:p>
@@ -3866,6 +3866,72 @@
                 <a:cs typeface="Arial" panose="020B0604020202020204" pitchFamily="34" charset="0"/>
               </a:rPr>
               <a:t> </a:t>
+            </a:r>
+            <a:br>
+              <a:rPr lang="en-US" sz="1400" dirty="0">
+                <a:latin typeface="Arial" panose="020B0604020202020204" pitchFamily="34" charset="0"/>
+                <a:cs typeface="Arial" panose="020B0604020202020204" pitchFamily="34" charset="0"/>
+              </a:rPr>
+            </a:br>
+            <a:r>
+              <a:rPr lang="en-US" sz="1400" dirty="0">
+                <a:latin typeface="Arial" panose="020B0604020202020204" pitchFamily="34" charset="0"/>
+                <a:cs typeface="Arial" panose="020B0604020202020204" pitchFamily="34" charset="0"/>
+              </a:rPr>
+              <a:t>	</a:t>
+            </a:r>
+            <a:r>
+              <a:rPr lang="en-US" sz="1400" b="1" dirty="0">
+                <a:latin typeface="Arial" panose="020B0604020202020204" pitchFamily="34" charset="0"/>
+                <a:cs typeface="Arial" panose="020B0604020202020204" pitchFamily="34" charset="0"/>
+              </a:rPr>
+              <a:t>Get TLE</a:t>
+            </a:r>
+            <a:br>
+              <a:rPr lang="en-US" sz="1400" b="1" dirty="0">
+                <a:latin typeface="Arial" panose="020B0604020202020204" pitchFamily="34" charset="0"/>
+                <a:cs typeface="Arial" panose="020B0604020202020204" pitchFamily="34" charset="0"/>
+              </a:rPr>
+            </a:br>
+            <a:r>
+              <a:rPr lang="en-US" sz="1400" b="1" dirty="0">
+                <a:latin typeface="Arial" panose="020B0604020202020204" pitchFamily="34" charset="0"/>
+                <a:cs typeface="Arial" panose="020B0604020202020204" pitchFamily="34" charset="0"/>
+              </a:rPr>
+              <a:t>	Get Satellite Positions</a:t>
+            </a:r>
+            <a:br>
+              <a:rPr lang="en-US" sz="1400" b="1" dirty="0">
+                <a:latin typeface="Arial" panose="020B0604020202020204" pitchFamily="34" charset="0"/>
+                <a:cs typeface="Arial" panose="020B0604020202020204" pitchFamily="34" charset="0"/>
+              </a:rPr>
+            </a:br>
+            <a:r>
+              <a:rPr lang="en-US" sz="1400" b="1" dirty="0">
+                <a:latin typeface="Arial" panose="020B0604020202020204" pitchFamily="34" charset="0"/>
+                <a:cs typeface="Arial" panose="020B0604020202020204" pitchFamily="34" charset="0"/>
+              </a:rPr>
+              <a:t>	Get visual Passes</a:t>
+            </a:r>
+            <a:br>
+              <a:rPr lang="en-US" sz="1400" b="1" dirty="0">
+                <a:latin typeface="Arial" panose="020B0604020202020204" pitchFamily="34" charset="0"/>
+                <a:cs typeface="Arial" panose="020B0604020202020204" pitchFamily="34" charset="0"/>
+              </a:rPr>
+            </a:br>
+            <a:r>
+              <a:rPr lang="en-US" sz="1400" b="1" dirty="0">
+                <a:latin typeface="Arial" panose="020B0604020202020204" pitchFamily="34" charset="0"/>
+                <a:cs typeface="Arial" panose="020B0604020202020204" pitchFamily="34" charset="0"/>
+              </a:rPr>
+              <a:t>	</a:t>
+            </a:r>
+            <a:r>
+              <a:rPr lang="en-US" sz="1400" b="1" dirty="0" err="1">
+                <a:latin typeface="Arial" panose="020B0604020202020204" pitchFamily="34" charset="0"/>
+                <a:cs typeface="Arial" panose="020B0604020202020204" pitchFamily="34" charset="0"/>
+              </a:rPr>
+              <a:t>Whatsup</a:t>
             </a:r>
             <a:br>
               <a:rPr lang="en-US" sz="1400" dirty="0">
